--- a/愛我的天父.pptx
+++ b/愛我的天父.pptx
@@ -107,6 +107,11 @@
       </a:defRPr>
     </a:lvl9pPr>
   </p:defaultTextStyle>
+  <p:extLst>
+    <p:ext uri="{EFAFB233-063F-42B5-8137-9DF3F51BA10A}">
+      <p15:sldGuideLst xmlns:p15="http://schemas.microsoft.com/office/powerpoint/2012/main"/>
+    </p:ext>
+  </p:extLst>
 </p:presentation>
 </file>
 
@@ -291,7 +296,7 @@
           <a:p>
             <a:fld id="{A151953B-F8CF-4830-B9AF-6BA053C2CA7B}" type="datetimeFigureOut">
               <a:rPr lang="vi-VN" smtClean="0"/>
-              <a:t>20/06/2020</a:t>
+              <a:t>08/07/2023</a:t>
             </a:fld>
             <a:endParaRPr lang="vi-VN"/>
           </a:p>
@@ -461,7 +466,7 @@
           <a:p>
             <a:fld id="{A151953B-F8CF-4830-B9AF-6BA053C2CA7B}" type="datetimeFigureOut">
               <a:rPr lang="vi-VN" smtClean="0"/>
-              <a:t>20/06/2020</a:t>
+              <a:t>08/07/2023</a:t>
             </a:fld>
             <a:endParaRPr lang="vi-VN"/>
           </a:p>
@@ -641,7 +646,7 @@
           <a:p>
             <a:fld id="{A151953B-F8CF-4830-B9AF-6BA053C2CA7B}" type="datetimeFigureOut">
               <a:rPr lang="vi-VN" smtClean="0"/>
-              <a:t>20/06/2020</a:t>
+              <a:t>08/07/2023</a:t>
             </a:fld>
             <a:endParaRPr lang="vi-VN"/>
           </a:p>
@@ -811,7 +816,7 @@
           <a:p>
             <a:fld id="{A151953B-F8CF-4830-B9AF-6BA053C2CA7B}" type="datetimeFigureOut">
               <a:rPr lang="vi-VN" smtClean="0"/>
-              <a:t>20/06/2020</a:t>
+              <a:t>08/07/2023</a:t>
             </a:fld>
             <a:endParaRPr lang="vi-VN"/>
           </a:p>
@@ -1057,7 +1062,7 @@
           <a:p>
             <a:fld id="{A151953B-F8CF-4830-B9AF-6BA053C2CA7B}" type="datetimeFigureOut">
               <a:rPr lang="vi-VN" smtClean="0"/>
-              <a:t>20/06/2020</a:t>
+              <a:t>08/07/2023</a:t>
             </a:fld>
             <a:endParaRPr lang="vi-VN"/>
           </a:p>
@@ -1345,7 +1350,7 @@
           <a:p>
             <a:fld id="{A151953B-F8CF-4830-B9AF-6BA053C2CA7B}" type="datetimeFigureOut">
               <a:rPr lang="vi-VN" smtClean="0"/>
-              <a:t>20/06/2020</a:t>
+              <a:t>08/07/2023</a:t>
             </a:fld>
             <a:endParaRPr lang="vi-VN"/>
           </a:p>
@@ -1767,7 +1772,7 @@
           <a:p>
             <a:fld id="{A151953B-F8CF-4830-B9AF-6BA053C2CA7B}" type="datetimeFigureOut">
               <a:rPr lang="vi-VN" smtClean="0"/>
-              <a:t>20/06/2020</a:t>
+              <a:t>08/07/2023</a:t>
             </a:fld>
             <a:endParaRPr lang="vi-VN"/>
           </a:p>
@@ -1885,7 +1890,7 @@
           <a:p>
             <a:fld id="{A151953B-F8CF-4830-B9AF-6BA053C2CA7B}" type="datetimeFigureOut">
               <a:rPr lang="vi-VN" smtClean="0"/>
-              <a:t>20/06/2020</a:t>
+              <a:t>08/07/2023</a:t>
             </a:fld>
             <a:endParaRPr lang="vi-VN"/>
           </a:p>
@@ -1980,7 +1985,7 @@
           <a:p>
             <a:fld id="{A151953B-F8CF-4830-B9AF-6BA053C2CA7B}" type="datetimeFigureOut">
               <a:rPr lang="vi-VN" smtClean="0"/>
-              <a:t>20/06/2020</a:t>
+              <a:t>08/07/2023</a:t>
             </a:fld>
             <a:endParaRPr lang="vi-VN"/>
           </a:p>
@@ -2257,7 +2262,7 @@
           <a:p>
             <a:fld id="{A151953B-F8CF-4830-B9AF-6BA053C2CA7B}" type="datetimeFigureOut">
               <a:rPr lang="vi-VN" smtClean="0"/>
-              <a:t>20/06/2020</a:t>
+              <a:t>08/07/2023</a:t>
             </a:fld>
             <a:endParaRPr lang="vi-VN"/>
           </a:p>
@@ -2514,7 +2519,7 @@
           <a:p>
             <a:fld id="{A151953B-F8CF-4830-B9AF-6BA053C2CA7B}" type="datetimeFigureOut">
               <a:rPr lang="vi-VN" smtClean="0"/>
-              <a:t>20/06/2020</a:t>
+              <a:t>08/07/2023</a:t>
             </a:fld>
             <a:endParaRPr lang="vi-VN"/>
           </a:p>
@@ -2732,7 +2737,7 @@
           <a:p>
             <a:fld id="{A151953B-F8CF-4830-B9AF-6BA053C2CA7B}" type="datetimeFigureOut">
               <a:rPr lang="vi-VN" smtClean="0"/>
-              <a:t>20/06/2020</a:t>
+              <a:t>08/07/2023</a:t>
             </a:fld>
             <a:endParaRPr lang="vi-VN"/>
           </a:p>
@@ -3158,13 +3163,13 @@
               <a:buNone/>
             </a:pPr>
             <a:r>
-              <a:rPr lang="zh-CN" altLang="en-US" sz="5400" b="1" dirty="0" smtClean="0">
+              <a:rPr lang="zh-CN" altLang="en-US" sz="6000" b="1" dirty="0" smtClean="0">
                 <a:latin typeface="Microsoft JhengHei" panose="020B0604030504040204" pitchFamily="34" charset="-120"/>
                 <a:ea typeface="Microsoft JhengHei" panose="020B0604030504040204" pitchFamily="34" charset="-120"/>
               </a:rPr>
               <a:t>我有一位愛我的天父</a:t>
             </a:r>
-            <a:endParaRPr lang="en-US" altLang="zh-CN" sz="5400" b="1" dirty="0" smtClean="0">
+            <a:endParaRPr lang="en-US" altLang="zh-CN" sz="6000" b="1" dirty="0" smtClean="0">
               <a:latin typeface="Microsoft JhengHei" panose="020B0604030504040204" pitchFamily="34" charset="-120"/>
               <a:ea typeface="Microsoft JhengHei" panose="020B0604030504040204" pitchFamily="34" charset="-120"/>
             </a:endParaRPr>
@@ -3174,13 +3179,13 @@
               <a:buNone/>
             </a:pPr>
             <a:r>
-              <a:rPr lang="zh-CN" altLang="en-US" sz="5400" b="1" dirty="0" smtClean="0">
+              <a:rPr lang="zh-CN" altLang="en-US" sz="6000" b="1" dirty="0" smtClean="0">
                 <a:latin typeface="Microsoft JhengHei" panose="020B0604030504040204" pitchFamily="34" charset="-120"/>
                 <a:ea typeface="Microsoft JhengHei" panose="020B0604030504040204" pitchFamily="34" charset="-120"/>
               </a:rPr>
               <a:t>祂造我就是為了愛我</a:t>
             </a:r>
-            <a:endParaRPr lang="en-US" altLang="zh-CN" sz="5400" b="1" dirty="0" smtClean="0">
+            <a:endParaRPr lang="en-US" altLang="zh-CN" sz="6000" b="1" dirty="0" smtClean="0">
               <a:latin typeface="Microsoft JhengHei" panose="020B0604030504040204" pitchFamily="34" charset="-120"/>
               <a:ea typeface="Microsoft JhengHei" panose="020B0604030504040204" pitchFamily="34" charset="-120"/>
             </a:endParaRPr>
@@ -3190,20 +3195,20 @@
               <a:buNone/>
             </a:pPr>
             <a:r>
-              <a:rPr lang="zh-CN" altLang="en-US" sz="5400" b="1" dirty="0">
+              <a:rPr lang="zh-CN" altLang="en-US" sz="6000" b="1" dirty="0">
                 <a:latin typeface="Microsoft JhengHei" panose="020B0604030504040204" pitchFamily="34" charset="-120"/>
                 <a:ea typeface="Microsoft JhengHei" panose="020B0604030504040204" pitchFamily="34" charset="-120"/>
               </a:rPr>
               <a:t>不</a:t>
             </a:r>
             <a:r>
-              <a:rPr lang="zh-CN" altLang="en-US" sz="5400" b="1" dirty="0" smtClean="0">
+              <a:rPr lang="zh-CN" altLang="en-US" sz="6000" b="1" dirty="0" smtClean="0">
                 <a:latin typeface="Microsoft JhengHei" panose="020B0604030504040204" pitchFamily="34" charset="-120"/>
                 <a:ea typeface="Microsoft JhengHei" panose="020B0604030504040204" pitchFamily="34" charset="-120"/>
               </a:rPr>
               <a:t>論高矮或胖瘦未來成就是如何</a:t>
             </a:r>
-            <a:endParaRPr lang="en-US" altLang="zh-CN" sz="5400" b="1" dirty="0" smtClean="0">
+            <a:endParaRPr lang="en-US" altLang="zh-CN" sz="6000" b="1" dirty="0" smtClean="0">
               <a:latin typeface="Microsoft JhengHei" panose="020B0604030504040204" pitchFamily="34" charset="-120"/>
               <a:ea typeface="Microsoft JhengHei" panose="020B0604030504040204" pitchFamily="34" charset="-120"/>
             </a:endParaRPr>
@@ -3213,13 +3218,13 @@
               <a:buNone/>
             </a:pPr>
             <a:r>
-              <a:rPr lang="zh-CN" altLang="en-US" sz="5400" b="1" dirty="0" smtClean="0">
+              <a:rPr lang="zh-CN" altLang="en-US" sz="6000" b="1" dirty="0" smtClean="0">
                 <a:latin typeface="Microsoft JhengHei" panose="020B0604030504040204" pitchFamily="34" charset="-120"/>
                 <a:ea typeface="Microsoft JhengHei" panose="020B0604030504040204" pitchFamily="34" charset="-120"/>
               </a:rPr>
               <a:t>祂仍然比任何人都愛我</a:t>
             </a:r>
-            <a:endParaRPr lang="en-US" altLang="zh-CN" sz="5400" b="1" dirty="0" smtClean="0">
+            <a:endParaRPr lang="en-US" altLang="zh-CN" sz="6000" b="1" dirty="0" smtClean="0">
               <a:latin typeface="Microsoft JhengHei" panose="020B0604030504040204" pitchFamily="34" charset="-120"/>
               <a:ea typeface="Microsoft JhengHei" panose="020B0604030504040204" pitchFamily="34" charset="-120"/>
             </a:endParaRPr>
@@ -3274,13 +3279,14 @@
           <a:lstStyle/>
           <a:p>
             <a:r>
-              <a:rPr lang="zh-CN" altLang="en-US" sz="4800" b="1" dirty="0" smtClean="0">
+              <a:rPr lang="zh-CN" altLang="en-US" sz="4800" b="1" dirty="0">
                 <a:latin typeface="Microsoft JhengHei" panose="020B0604030504040204" pitchFamily="34" charset="-120"/>
                 <a:ea typeface="Microsoft JhengHei" panose="020B0604030504040204" pitchFamily="34" charset="-120"/>
               </a:rPr>
               <a:t>愛我的天父</a:t>
             </a:r>
             <a:endParaRPr lang="vi-VN" sz="4800" b="1" dirty="0">
+              <a:latin typeface="Microsoft JhengHei" panose="020B0604030504040204" pitchFamily="34" charset="-120"/>
               <a:ea typeface="Microsoft JhengHei" panose="020B0604030504040204" pitchFamily="34" charset="-120"/>
             </a:endParaRPr>
           </a:p>
@@ -3307,13 +3313,13 @@
               <a:buNone/>
             </a:pPr>
             <a:r>
-              <a:rPr lang="zh-CN" altLang="en-US" sz="5400" b="1" dirty="0" smtClean="0">
+              <a:rPr lang="zh-CN" altLang="en-US" sz="6000" b="1" dirty="0">
                 <a:latin typeface="Microsoft JhengHei" panose="020B0604030504040204" pitchFamily="34" charset="-120"/>
                 <a:ea typeface="Microsoft JhengHei" panose="020B0604030504040204" pitchFamily="34" charset="-120"/>
               </a:rPr>
               <a:t>祂永遠不離開我</a:t>
             </a:r>
-            <a:endParaRPr lang="en-US" altLang="zh-CN" sz="5400" b="1" dirty="0" smtClean="0">
+            <a:endParaRPr lang="en-US" altLang="zh-CN" sz="6000" b="1" dirty="0">
               <a:latin typeface="Microsoft JhengHei" panose="020B0604030504040204" pitchFamily="34" charset="-120"/>
               <a:ea typeface="Microsoft JhengHei" panose="020B0604030504040204" pitchFamily="34" charset="-120"/>
             </a:endParaRPr>
@@ -3323,20 +3329,20 @@
               <a:buNone/>
             </a:pPr>
             <a:r>
-              <a:rPr lang="zh-CN" altLang="en-US" sz="5400" b="1" dirty="0">
+              <a:rPr lang="zh-CN" altLang="en-US" sz="6000" b="1" dirty="0">
                 <a:latin typeface="Microsoft JhengHei" panose="020B0604030504040204" pitchFamily="34" charset="-120"/>
                 <a:ea typeface="Microsoft JhengHei" panose="020B0604030504040204" pitchFamily="34" charset="-120"/>
               </a:rPr>
               <a:t>祂永遠不離開</a:t>
             </a:r>
             <a:r>
-              <a:rPr lang="zh-CN" altLang="en-US" sz="5400" b="1" dirty="0" smtClean="0">
+              <a:rPr lang="zh-CN" altLang="en-US" sz="6000" b="1" dirty="0">
                 <a:latin typeface="Microsoft JhengHei" panose="020B0604030504040204" pitchFamily="34" charset="-120"/>
                 <a:ea typeface="Microsoft JhengHei" panose="020B0604030504040204" pitchFamily="34" charset="-120"/>
               </a:rPr>
               <a:t>我</a:t>
             </a:r>
-            <a:endParaRPr lang="en-US" altLang="zh-CN" sz="5400" b="1" dirty="0" smtClean="0">
+            <a:endParaRPr lang="en-US" altLang="zh-CN" sz="6000" b="1" dirty="0">
               <a:latin typeface="Microsoft JhengHei" panose="020B0604030504040204" pitchFamily="34" charset="-120"/>
               <a:ea typeface="Microsoft JhengHei" panose="020B0604030504040204" pitchFamily="34" charset="-120"/>
             </a:endParaRPr>
@@ -3346,13 +3352,13 @@
               <a:buNone/>
             </a:pPr>
             <a:r>
-              <a:rPr lang="zh-CN" altLang="en-US" sz="5400" b="1" dirty="0" smtClean="0">
+              <a:rPr lang="zh-CN" altLang="en-US" sz="6000" b="1" dirty="0">
                 <a:latin typeface="Microsoft JhengHei" panose="020B0604030504040204" pitchFamily="34" charset="-120"/>
                 <a:ea typeface="Microsoft JhengHei" panose="020B0604030504040204" pitchFamily="34" charset="-120"/>
               </a:rPr>
               <a:t>祂因我歡欣快樂</a:t>
             </a:r>
-            <a:endParaRPr lang="en-US" altLang="zh-CN" sz="5400" b="1" dirty="0" smtClean="0">
+            <a:endParaRPr lang="en-US" altLang="zh-CN" sz="6000" b="1" dirty="0">
               <a:latin typeface="Microsoft JhengHei" panose="020B0604030504040204" pitchFamily="34" charset="-120"/>
               <a:ea typeface="Microsoft JhengHei" panose="020B0604030504040204" pitchFamily="34" charset="-120"/>
             </a:endParaRPr>
@@ -3362,13 +3368,13 @@
               <a:buNone/>
             </a:pPr>
             <a:r>
-              <a:rPr lang="zh-CN" altLang="en-US" sz="5400" b="1" dirty="0" smtClean="0">
+              <a:rPr lang="zh-CN" altLang="en-US" sz="6000" b="1" dirty="0">
                 <a:latin typeface="Microsoft JhengHei" panose="020B0604030504040204" pitchFamily="34" charset="-120"/>
                 <a:ea typeface="Microsoft JhengHei" panose="020B0604030504040204" pitchFamily="34" charset="-120"/>
               </a:rPr>
               <a:t>祂永遠不停止愛我</a:t>
             </a:r>
-            <a:endParaRPr lang="en-US" altLang="zh-CN" sz="5400" b="1" dirty="0" smtClean="0">
+            <a:endParaRPr lang="en-US" altLang="zh-CN" sz="6000" b="1" dirty="0">
               <a:latin typeface="Microsoft JhengHei" panose="020B0604030504040204" pitchFamily="34" charset="-120"/>
               <a:ea typeface="Microsoft JhengHei" panose="020B0604030504040204" pitchFamily="34" charset="-120"/>
             </a:endParaRPr>
@@ -3456,13 +3462,13 @@
               <a:buNone/>
             </a:pPr>
             <a:r>
-              <a:rPr lang="zh-CN" altLang="en-US" sz="5400" b="1" dirty="0" smtClean="0">
+              <a:rPr lang="zh-CN" altLang="en-US" sz="6000" b="1" dirty="0">
                 <a:latin typeface="Microsoft JhengHei" panose="020B0604030504040204" pitchFamily="34" charset="-120"/>
                 <a:ea typeface="Microsoft JhengHei" panose="020B0604030504040204" pitchFamily="34" charset="-120"/>
               </a:rPr>
               <a:t>我有一位愛我的天父</a:t>
             </a:r>
-            <a:endParaRPr lang="en-US" altLang="zh-CN" sz="5400" b="1" dirty="0" smtClean="0">
+            <a:endParaRPr lang="en-US" altLang="zh-CN" sz="6000" b="1" dirty="0">
               <a:latin typeface="Microsoft JhengHei" panose="020B0604030504040204" pitchFamily="34" charset="-120"/>
               <a:ea typeface="Microsoft JhengHei" panose="020B0604030504040204" pitchFamily="34" charset="-120"/>
             </a:endParaRPr>
@@ -3472,13 +3478,13 @@
               <a:buNone/>
             </a:pPr>
             <a:r>
-              <a:rPr lang="zh-CN" altLang="en-US" sz="5400" b="1" dirty="0" smtClean="0">
+              <a:rPr lang="zh-CN" altLang="en-US" sz="6000" b="1" dirty="0">
                 <a:latin typeface="Microsoft JhengHei" panose="020B0604030504040204" pitchFamily="34" charset="-120"/>
                 <a:ea typeface="Microsoft JhengHei" panose="020B0604030504040204" pitchFamily="34" charset="-120"/>
               </a:rPr>
               <a:t>祂造我就是為了愛我</a:t>
             </a:r>
-            <a:endParaRPr lang="en-US" altLang="zh-CN" sz="5400" b="1" dirty="0" smtClean="0">
+            <a:endParaRPr lang="en-US" altLang="zh-CN" sz="6000" b="1" dirty="0">
               <a:latin typeface="Microsoft JhengHei" panose="020B0604030504040204" pitchFamily="34" charset="-120"/>
               <a:ea typeface="Microsoft JhengHei" panose="020B0604030504040204" pitchFamily="34" charset="-120"/>
             </a:endParaRPr>
@@ -3488,20 +3494,20 @@
               <a:buNone/>
             </a:pPr>
             <a:r>
-              <a:rPr lang="zh-CN" altLang="en-US" sz="5400" b="1" dirty="0">
+              <a:rPr lang="zh-CN" altLang="en-US" sz="6000" b="1" dirty="0">
                 <a:latin typeface="Microsoft JhengHei" panose="020B0604030504040204" pitchFamily="34" charset="-120"/>
                 <a:ea typeface="Microsoft JhengHei" panose="020B0604030504040204" pitchFamily="34" charset="-120"/>
               </a:rPr>
               <a:t>不</a:t>
             </a:r>
             <a:r>
-              <a:rPr lang="zh-CN" altLang="en-US" sz="5400" b="1" dirty="0" smtClean="0">
+              <a:rPr lang="zh-CN" altLang="en-US" sz="6000" b="1" dirty="0">
                 <a:latin typeface="Microsoft JhengHei" panose="020B0604030504040204" pitchFamily="34" charset="-120"/>
                 <a:ea typeface="Microsoft JhengHei" panose="020B0604030504040204" pitchFamily="34" charset="-120"/>
               </a:rPr>
               <a:t>論高矮或胖瘦未來成就是如何</a:t>
             </a:r>
-            <a:endParaRPr lang="en-US" altLang="zh-CN" sz="5400" b="1" dirty="0" smtClean="0">
+            <a:endParaRPr lang="en-US" altLang="zh-CN" sz="6000" b="1" dirty="0">
               <a:latin typeface="Microsoft JhengHei" panose="020B0604030504040204" pitchFamily="34" charset="-120"/>
               <a:ea typeface="Microsoft JhengHei" panose="020B0604030504040204" pitchFamily="34" charset="-120"/>
             </a:endParaRPr>
@@ -3511,13 +3517,13 @@
               <a:buNone/>
             </a:pPr>
             <a:r>
-              <a:rPr lang="zh-CN" altLang="en-US" sz="5400" b="1" dirty="0" smtClean="0">
+              <a:rPr lang="zh-CN" altLang="en-US" sz="6000" b="1" dirty="0">
                 <a:latin typeface="Microsoft JhengHei" panose="020B0604030504040204" pitchFamily="34" charset="-120"/>
                 <a:ea typeface="Microsoft JhengHei" panose="020B0604030504040204" pitchFamily="34" charset="-120"/>
               </a:rPr>
               <a:t>祂仍然比任何人都愛我</a:t>
             </a:r>
-            <a:endParaRPr lang="en-US" altLang="zh-CN" sz="5400" b="1" dirty="0" smtClean="0">
+            <a:endParaRPr lang="en-US" altLang="zh-CN" sz="6000" b="1" dirty="0">
               <a:latin typeface="Microsoft JhengHei" panose="020B0604030504040204" pitchFamily="34" charset="-120"/>
               <a:ea typeface="Microsoft JhengHei" panose="020B0604030504040204" pitchFamily="34" charset="-120"/>
             </a:endParaRPr>
@@ -3605,57 +3611,50 @@
               <a:buNone/>
             </a:pPr>
             <a:r>
-              <a:rPr lang="zh-CN" altLang="en-US" sz="5400" b="1" dirty="0">
+              <a:rPr lang="zh-CN" altLang="en-US" sz="6000" b="1" dirty="0">
                 <a:latin typeface="Microsoft JhengHei" panose="020B0604030504040204" pitchFamily="34" charset="-120"/>
                 <a:ea typeface="Microsoft JhengHei" panose="020B0604030504040204" pitchFamily="34" charset="-120"/>
               </a:rPr>
-              <a:t>袮</a:t>
-            </a:r>
-            <a:r>
-              <a:rPr lang="zh-CN" altLang="en-US" sz="5400" b="1" dirty="0" smtClean="0">
-                <a:latin typeface="Microsoft JhengHei" panose="020B0604030504040204" pitchFamily="34" charset="-120"/>
-                <a:ea typeface="Microsoft JhengHei" panose="020B0604030504040204" pitchFamily="34" charset="-120"/>
-              </a:rPr>
-              <a:t>永遠不離開我</a:t>
-            </a:r>
-            <a:endParaRPr lang="en-US" altLang="zh-CN" sz="5400" b="1" dirty="0" smtClean="0">
-              <a:latin typeface="Microsoft JhengHei" panose="020B0604030504040204" pitchFamily="34" charset="-120"/>
-              <a:ea typeface="Microsoft JhengHei" panose="020B0604030504040204" pitchFamily="34" charset="-120"/>
-            </a:endParaRPr>
-          </a:p>
-          <a:p>
-            <a:pPr marL="0" indent="0" algn="ctr">
-              <a:buNone/>
-            </a:pPr>
-            <a:r>
-              <a:rPr lang="zh-CN" altLang="en-US" sz="5400" b="1" dirty="0">
-                <a:latin typeface="Microsoft JhengHei" panose="020B0604030504040204" pitchFamily="34" charset="-120"/>
-                <a:ea typeface="Microsoft JhengHei" panose="020B0604030504040204" pitchFamily="34" charset="-120"/>
-              </a:rPr>
-              <a:t>袮</a:t>
-            </a:r>
-            <a:r>
-              <a:rPr lang="zh-CN" altLang="en-US" sz="5400" b="1" dirty="0" smtClean="0">
+              <a:t>祢</a:t>
+            </a:r>
+            <a:r>
+              <a:rPr lang="zh-CN" altLang="en-US" sz="6000" b="1" dirty="0">
                 <a:latin typeface="Microsoft JhengHei" panose="020B0604030504040204" pitchFamily="34" charset="-120"/>
                 <a:ea typeface="Microsoft JhengHei" panose="020B0604030504040204" pitchFamily="34" charset="-120"/>
               </a:rPr>
               <a:t>永</a:t>
             </a:r>
             <a:r>
-              <a:rPr lang="zh-CN" altLang="en-US" sz="5400" b="1" dirty="0">
+              <a:rPr lang="zh-CN" altLang="en-US" sz="6000" b="1" dirty="0">
                 <a:latin typeface="Microsoft JhengHei" panose="020B0604030504040204" pitchFamily="34" charset="-120"/>
                 <a:ea typeface="Microsoft JhengHei" panose="020B0604030504040204" pitchFamily="34" charset="-120"/>
               </a:rPr>
-              <a:t>遠不離開</a:t>
-            </a:r>
-            <a:r>
-              <a:rPr lang="zh-CN" altLang="en-US" sz="5400" b="1" dirty="0" smtClean="0">
+              <a:t>遠不離開我</a:t>
+            </a:r>
+            <a:endParaRPr lang="en-US" altLang="zh-CN" sz="6000" b="1" dirty="0">
+              <a:latin typeface="Microsoft JhengHei" panose="020B0604030504040204" pitchFamily="34" charset="-120"/>
+              <a:ea typeface="Microsoft JhengHei" panose="020B0604030504040204" pitchFamily="34" charset="-120"/>
+            </a:endParaRPr>
+          </a:p>
+          <a:p>
+            <a:pPr marL="0" indent="0" algn="ctr">
+              <a:buNone/>
+            </a:pPr>
+            <a:r>
+              <a:rPr lang="zh-CN" altLang="en-US" sz="6000" b="1" dirty="0">
+                <a:latin typeface="Microsoft JhengHei" panose="020B0604030504040204" pitchFamily="34" charset="-120"/>
+                <a:ea typeface="Microsoft JhengHei" panose="020B0604030504040204" pitchFamily="34" charset="-120"/>
+              </a:rPr>
+              <a:t>祢永遠不離開</a:t>
+            </a:r>
+            <a:r>
+              <a:rPr lang="zh-CN" altLang="en-US" sz="6000" b="1" dirty="0">
                 <a:latin typeface="Microsoft JhengHei" panose="020B0604030504040204" pitchFamily="34" charset="-120"/>
                 <a:ea typeface="Microsoft JhengHei" panose="020B0604030504040204" pitchFamily="34" charset="-120"/>
               </a:rPr>
               <a:t>我</a:t>
             </a:r>
-            <a:endParaRPr lang="en-US" altLang="zh-CN" sz="5400" b="1" dirty="0" smtClean="0">
+            <a:endParaRPr lang="en-US" altLang="zh-CN" sz="6000" b="1" dirty="0">
               <a:latin typeface="Microsoft JhengHei" panose="020B0604030504040204" pitchFamily="34" charset="-120"/>
               <a:ea typeface="Microsoft JhengHei" panose="020B0604030504040204" pitchFamily="34" charset="-120"/>
             </a:endParaRPr>
@@ -3665,20 +3664,20 @@
               <a:buNone/>
             </a:pPr>
             <a:r>
-              <a:rPr lang="zh-CN" altLang="en-US" sz="5400" b="1" dirty="0">
+              <a:rPr lang="zh-CN" altLang="en-US" sz="6000" b="1" dirty="0">
                 <a:latin typeface="Microsoft JhengHei" panose="020B0604030504040204" pitchFamily="34" charset="-120"/>
                 <a:ea typeface="Microsoft JhengHei" panose="020B0604030504040204" pitchFamily="34" charset="-120"/>
               </a:rPr>
-              <a:t>袮</a:t>
-            </a:r>
-            <a:r>
-              <a:rPr lang="zh-CN" altLang="en-US" sz="5400" b="1" dirty="0" smtClean="0">
+              <a:t>祢因</a:t>
+            </a:r>
+            <a:r>
+              <a:rPr lang="zh-CN" altLang="en-US" sz="6000" b="1" dirty="0">
                 <a:latin typeface="Microsoft JhengHei" panose="020B0604030504040204" pitchFamily="34" charset="-120"/>
                 <a:ea typeface="Microsoft JhengHei" panose="020B0604030504040204" pitchFamily="34" charset="-120"/>
               </a:rPr>
-              <a:t>因我歡欣快樂</a:t>
-            </a:r>
-            <a:endParaRPr lang="en-US" altLang="zh-CN" sz="5400" b="1" dirty="0" smtClean="0">
+              <a:t>我歡欣快樂</a:t>
+            </a:r>
+            <a:endParaRPr lang="en-US" altLang="zh-CN" sz="6000" b="1" dirty="0">
               <a:latin typeface="Microsoft JhengHei" panose="020B0604030504040204" pitchFamily="34" charset="-120"/>
               <a:ea typeface="Microsoft JhengHei" panose="020B0604030504040204" pitchFamily="34" charset="-120"/>
             </a:endParaRPr>
@@ -3688,20 +3687,20 @@
               <a:buNone/>
             </a:pPr>
             <a:r>
-              <a:rPr lang="zh-CN" altLang="en-US" sz="5400" b="1" dirty="0">
+              <a:rPr lang="zh-CN" altLang="en-US" sz="6000" b="1" dirty="0">
                 <a:latin typeface="Microsoft JhengHei" panose="020B0604030504040204" pitchFamily="34" charset="-120"/>
                 <a:ea typeface="Microsoft JhengHei" panose="020B0604030504040204" pitchFamily="34" charset="-120"/>
               </a:rPr>
-              <a:t>袮</a:t>
-            </a:r>
-            <a:r>
-              <a:rPr lang="zh-CN" altLang="en-US" sz="5400" b="1" dirty="0" smtClean="0">
+              <a:t>祢永</a:t>
+            </a:r>
+            <a:r>
+              <a:rPr lang="zh-CN" altLang="en-US" sz="6000" b="1" dirty="0">
                 <a:latin typeface="Microsoft JhengHei" panose="020B0604030504040204" pitchFamily="34" charset="-120"/>
                 <a:ea typeface="Microsoft JhengHei" panose="020B0604030504040204" pitchFamily="34" charset="-120"/>
               </a:rPr>
-              <a:t>永遠不停止愛我</a:t>
-            </a:r>
-            <a:endParaRPr lang="en-US" altLang="zh-CN" sz="5400" b="1" dirty="0" smtClean="0">
+              <a:t>遠不停止愛我</a:t>
+            </a:r>
+            <a:endParaRPr lang="en-US" altLang="zh-CN" sz="6000" b="1" dirty="0">
               <a:latin typeface="Microsoft JhengHei" panose="020B0604030504040204" pitchFamily="34" charset="-120"/>
               <a:ea typeface="Microsoft JhengHei" panose="020B0604030504040204" pitchFamily="34" charset="-120"/>
             </a:endParaRPr>
